--- a/writeup_cs224n_milestone/Figs4Paper/figs.pptx
+++ b/writeup_cs224n_milestone/Figs4Paper/figs.pptx
@@ -7,6 +7,8 @@
   <p:sldIdLst>
     <p:sldId id="256" r:id="rId2"/>
     <p:sldId id="257" r:id="rId3"/>
+    <p:sldId id="258" r:id="rId4"/>
+    <p:sldId id="259" r:id="rId5"/>
   </p:sldIdLst>
   <p:sldSz cx="12192000" cy="6858000"/>
   <p:notesSz cx="6858000" cy="9144000"/>
@@ -260,7 +262,7 @@
           <a:p>
             <a:fld id="{41508477-3A02-4B11-A85E-F6011B3812CC}" type="datetimeFigureOut">
               <a:rPr lang="en-US" smtClean="0"/>
-              <a:t>3/11/2019</a:t>
+              <a:t>3/16/2019</a:t>
             </a:fld>
             <a:endParaRPr lang="en-US"/>
           </a:p>
@@ -458,7 +460,7 @@
           <a:p>
             <a:fld id="{41508477-3A02-4B11-A85E-F6011B3812CC}" type="datetimeFigureOut">
               <a:rPr lang="en-US" smtClean="0"/>
-              <a:t>3/11/2019</a:t>
+              <a:t>3/16/2019</a:t>
             </a:fld>
             <a:endParaRPr lang="en-US"/>
           </a:p>
@@ -666,7 +668,7 @@
           <a:p>
             <a:fld id="{41508477-3A02-4B11-A85E-F6011B3812CC}" type="datetimeFigureOut">
               <a:rPr lang="en-US" smtClean="0"/>
-              <a:t>3/11/2019</a:t>
+              <a:t>3/16/2019</a:t>
             </a:fld>
             <a:endParaRPr lang="en-US"/>
           </a:p>
@@ -864,7 +866,7 @@
           <a:p>
             <a:fld id="{41508477-3A02-4B11-A85E-F6011B3812CC}" type="datetimeFigureOut">
               <a:rPr lang="en-US" smtClean="0"/>
-              <a:t>3/11/2019</a:t>
+              <a:t>3/16/2019</a:t>
             </a:fld>
             <a:endParaRPr lang="en-US"/>
           </a:p>
@@ -1139,7 +1141,7 @@
           <a:p>
             <a:fld id="{41508477-3A02-4B11-A85E-F6011B3812CC}" type="datetimeFigureOut">
               <a:rPr lang="en-US" smtClean="0"/>
-              <a:t>3/11/2019</a:t>
+              <a:t>3/16/2019</a:t>
             </a:fld>
             <a:endParaRPr lang="en-US"/>
           </a:p>
@@ -1404,7 +1406,7 @@
           <a:p>
             <a:fld id="{41508477-3A02-4B11-A85E-F6011B3812CC}" type="datetimeFigureOut">
               <a:rPr lang="en-US" smtClean="0"/>
-              <a:t>3/11/2019</a:t>
+              <a:t>3/16/2019</a:t>
             </a:fld>
             <a:endParaRPr lang="en-US"/>
           </a:p>
@@ -1816,7 +1818,7 @@
           <a:p>
             <a:fld id="{41508477-3A02-4B11-A85E-F6011B3812CC}" type="datetimeFigureOut">
               <a:rPr lang="en-US" smtClean="0"/>
-              <a:t>3/11/2019</a:t>
+              <a:t>3/16/2019</a:t>
             </a:fld>
             <a:endParaRPr lang="en-US"/>
           </a:p>
@@ -1957,7 +1959,7 @@
           <a:p>
             <a:fld id="{41508477-3A02-4B11-A85E-F6011B3812CC}" type="datetimeFigureOut">
               <a:rPr lang="en-US" smtClean="0"/>
-              <a:t>3/11/2019</a:t>
+              <a:t>3/16/2019</a:t>
             </a:fld>
             <a:endParaRPr lang="en-US"/>
           </a:p>
@@ -2070,7 +2072,7 @@
           <a:p>
             <a:fld id="{41508477-3A02-4B11-A85E-F6011B3812CC}" type="datetimeFigureOut">
               <a:rPr lang="en-US" smtClean="0"/>
-              <a:t>3/11/2019</a:t>
+              <a:t>3/16/2019</a:t>
             </a:fld>
             <a:endParaRPr lang="en-US"/>
           </a:p>
@@ -2381,7 +2383,7 @@
           <a:p>
             <a:fld id="{41508477-3A02-4B11-A85E-F6011B3812CC}" type="datetimeFigureOut">
               <a:rPr lang="en-US" smtClean="0"/>
-              <a:t>3/11/2019</a:t>
+              <a:t>3/16/2019</a:t>
             </a:fld>
             <a:endParaRPr lang="en-US"/>
           </a:p>
@@ -2669,7 +2671,7 @@
           <a:p>
             <a:fld id="{41508477-3A02-4B11-A85E-F6011B3812CC}" type="datetimeFigureOut">
               <a:rPr lang="en-US" smtClean="0"/>
-              <a:t>3/11/2019</a:t>
+              <a:t>3/16/2019</a:t>
             </a:fld>
             <a:endParaRPr lang="en-US"/>
           </a:p>
@@ -2910,7 +2912,7 @@
           <a:p>
             <a:fld id="{41508477-3A02-4B11-A85E-F6011B3812CC}" type="datetimeFigureOut">
               <a:rPr lang="en-US" smtClean="0"/>
-              <a:t>3/11/2019</a:t>
+              <a:t>3/16/2019</a:t>
             </a:fld>
             <a:endParaRPr lang="en-US"/>
           </a:p>
@@ -6754,6 +6756,2345 @@
 </p:sld>
 </file>
 
+<file path=ppt/slides/slide3.xml><?xml version="1.0" encoding="utf-8"?>
+<p:sld xmlns:a="http://schemas.openxmlformats.org/drawingml/2006/main" xmlns:r="http://schemas.openxmlformats.org/officeDocument/2006/relationships" xmlns:p="http://schemas.openxmlformats.org/presentationml/2006/main">
+  <p:cSld>
+    <p:spTree>
+      <p:nvGrpSpPr>
+        <p:cNvPr id="1" name=""/>
+        <p:cNvGrpSpPr/>
+        <p:nvPr/>
+      </p:nvGrpSpPr>
+      <p:grpSpPr>
+        <a:xfrm>
+          <a:off x="0" y="0"/>
+          <a:ext cx="0" cy="0"/>
+          <a:chOff x="0" y="0"/>
+          <a:chExt cx="0" cy="0"/>
+        </a:xfrm>
+      </p:grpSpPr>
+      <p:grpSp>
+        <p:nvGrpSpPr>
+          <p:cNvPr id="388" name="Group 387">
+            <a:extLst>
+              <a:ext uri="{FF2B5EF4-FFF2-40B4-BE49-F238E27FC236}">
+                <a16:creationId xmlns:a16="http://schemas.microsoft.com/office/drawing/2014/main" id="{6C6621DF-47C8-4A75-B132-FBBEE4DC5234}"/>
+              </a:ext>
+            </a:extLst>
+          </p:cNvPr>
+          <p:cNvGrpSpPr/>
+          <p:nvPr/>
+        </p:nvGrpSpPr>
+        <p:grpSpPr>
+          <a:xfrm>
+            <a:off x="969104" y="359508"/>
+            <a:ext cx="8401541" cy="5829948"/>
+            <a:chOff x="969104" y="359508"/>
+            <a:chExt cx="8401541" cy="5829948"/>
+          </a:xfrm>
+        </p:grpSpPr>
+        <p:sp>
+          <p:nvSpPr>
+            <p:cNvPr id="126" name="Rectangle 125">
+              <a:extLst>
+                <a:ext uri="{FF2B5EF4-FFF2-40B4-BE49-F238E27FC236}">
+                  <a16:creationId xmlns:a16="http://schemas.microsoft.com/office/drawing/2014/main" id="{1518BE23-A46C-43BB-B770-4F1E340CAE7F}"/>
+                </a:ext>
+              </a:extLst>
+            </p:cNvPr>
+            <p:cNvSpPr/>
+            <p:nvPr/>
+          </p:nvSpPr>
+          <p:spPr>
+            <a:xfrm>
+              <a:off x="3728694" y="4622166"/>
+              <a:ext cx="855195" cy="234461"/>
+            </a:xfrm>
+            <a:prstGeom prst="rect">
+              <a:avLst/>
+            </a:prstGeom>
+            <a:ln>
+              <a:noFill/>
+            </a:ln>
+          </p:spPr>
+          <p:style>
+            <a:lnRef idx="2">
+              <a:schemeClr val="accent1">
+                <a:shade val="50000"/>
+              </a:schemeClr>
+            </a:lnRef>
+            <a:fillRef idx="1">
+              <a:schemeClr val="accent1"/>
+            </a:fillRef>
+            <a:effectRef idx="0">
+              <a:schemeClr val="accent1"/>
+            </a:effectRef>
+            <a:fontRef idx="minor">
+              <a:schemeClr val="lt1"/>
+            </a:fontRef>
+          </p:style>
+          <p:txBody>
+            <a:bodyPr rtlCol="0" anchor="ctr"/>
+            <a:lstStyle/>
+            <a:p>
+              <a:pPr algn="ctr"/>
+              <a:r>
+                <a:rPr lang="en-US" sz="1200" dirty="0"/>
+                <a:t>char emb</a:t>
+              </a:r>
+            </a:p>
+          </p:txBody>
+        </p:sp>
+        <p:sp>
+          <p:nvSpPr>
+            <p:cNvPr id="127" name="Rectangle 126">
+              <a:extLst>
+                <a:ext uri="{FF2B5EF4-FFF2-40B4-BE49-F238E27FC236}">
+                  <a16:creationId xmlns:a16="http://schemas.microsoft.com/office/drawing/2014/main" id="{B9992C50-05C3-40BA-B964-2F8B42C14D30}"/>
+                </a:ext>
+              </a:extLst>
+            </p:cNvPr>
+            <p:cNvSpPr/>
+            <p:nvPr/>
+          </p:nvSpPr>
+          <p:spPr>
+            <a:xfrm>
+              <a:off x="5265578" y="4622166"/>
+              <a:ext cx="855195" cy="234461"/>
+            </a:xfrm>
+            <a:prstGeom prst="rect">
+              <a:avLst/>
+            </a:prstGeom>
+            <a:ln>
+              <a:noFill/>
+            </a:ln>
+          </p:spPr>
+          <p:style>
+            <a:lnRef idx="2">
+              <a:schemeClr val="accent1">
+                <a:shade val="50000"/>
+              </a:schemeClr>
+            </a:lnRef>
+            <a:fillRef idx="1">
+              <a:schemeClr val="accent1"/>
+            </a:fillRef>
+            <a:effectRef idx="0">
+              <a:schemeClr val="accent1"/>
+            </a:effectRef>
+            <a:fontRef idx="minor">
+              <a:schemeClr val="lt1"/>
+            </a:fontRef>
+          </p:style>
+          <p:txBody>
+            <a:bodyPr rtlCol="0" anchor="ctr"/>
+            <a:lstStyle/>
+            <a:p>
+              <a:pPr algn="ctr"/>
+              <a:r>
+                <a:rPr lang="en-US" sz="1200" dirty="0"/>
+                <a:t>word emb</a:t>
+              </a:r>
+            </a:p>
+          </p:txBody>
+        </p:sp>
+        <p:sp>
+          <p:nvSpPr>
+            <p:cNvPr id="128" name="Rectangle 127">
+              <a:extLst>
+                <a:ext uri="{FF2B5EF4-FFF2-40B4-BE49-F238E27FC236}">
+                  <a16:creationId xmlns:a16="http://schemas.microsoft.com/office/drawing/2014/main" id="{289F1561-7E49-4CCA-A861-1237A8C75155}"/>
+                </a:ext>
+              </a:extLst>
+            </p:cNvPr>
+            <p:cNvSpPr/>
+            <p:nvPr/>
+          </p:nvSpPr>
+          <p:spPr>
+            <a:xfrm>
+              <a:off x="4510323" y="4066418"/>
+              <a:ext cx="855195" cy="234461"/>
+            </a:xfrm>
+            <a:prstGeom prst="rect">
+              <a:avLst/>
+            </a:prstGeom>
+            <a:ln>
+              <a:noFill/>
+            </a:ln>
+          </p:spPr>
+          <p:style>
+            <a:lnRef idx="2">
+              <a:schemeClr val="accent1">
+                <a:shade val="50000"/>
+              </a:schemeClr>
+            </a:lnRef>
+            <a:fillRef idx="1">
+              <a:schemeClr val="accent1"/>
+            </a:fillRef>
+            <a:effectRef idx="0">
+              <a:schemeClr val="accent1"/>
+            </a:effectRef>
+            <a:fontRef idx="minor">
+              <a:schemeClr val="lt1"/>
+            </a:fontRef>
+          </p:style>
+          <p:txBody>
+            <a:bodyPr rtlCol="0" anchor="ctr"/>
+            <a:lstStyle/>
+            <a:p>
+              <a:pPr algn="ctr"/>
+              <a:r>
+                <a:rPr lang="en-US" dirty="0"/>
+                <a:t>C</a:t>
+              </a:r>
+            </a:p>
+          </p:txBody>
+        </p:sp>
+        <p:cxnSp>
+          <p:nvCxnSpPr>
+            <p:cNvPr id="129" name="Connector: Elbow 128">
+              <a:extLst>
+                <a:ext uri="{FF2B5EF4-FFF2-40B4-BE49-F238E27FC236}">
+                  <a16:creationId xmlns:a16="http://schemas.microsoft.com/office/drawing/2014/main" id="{1D8402D9-4328-471A-BA1D-85CFC5D4D9D5}"/>
+                </a:ext>
+              </a:extLst>
+            </p:cNvPr>
+            <p:cNvCxnSpPr>
+              <a:cxnSpLocks/>
+              <a:stCxn id="126" idx="0"/>
+              <a:endCxn id="128" idx="2"/>
+            </p:cNvCxnSpPr>
+            <p:nvPr/>
+          </p:nvCxnSpPr>
+          <p:spPr>
+            <a:xfrm rot="5400000" flipH="1" flipV="1">
+              <a:off x="4386463" y="4070709"/>
+              <a:ext cx="321287" cy="781629"/>
+            </a:xfrm>
+            <a:prstGeom prst="bentConnector3">
+              <a:avLst>
+                <a:gd name="adj1" fmla="val 50000"/>
+              </a:avLst>
+            </a:prstGeom>
+            <a:ln>
+              <a:tailEnd type="triangle"/>
+            </a:ln>
+          </p:spPr>
+          <p:style>
+            <a:lnRef idx="1">
+              <a:schemeClr val="accent1"/>
+            </a:lnRef>
+            <a:fillRef idx="0">
+              <a:schemeClr val="accent1"/>
+            </a:fillRef>
+            <a:effectRef idx="0">
+              <a:schemeClr val="accent1"/>
+            </a:effectRef>
+            <a:fontRef idx="minor">
+              <a:schemeClr val="tx1"/>
+            </a:fontRef>
+          </p:style>
+        </p:cxnSp>
+        <p:cxnSp>
+          <p:nvCxnSpPr>
+            <p:cNvPr id="130" name="Connector: Elbow 129">
+              <a:extLst>
+                <a:ext uri="{FF2B5EF4-FFF2-40B4-BE49-F238E27FC236}">
+                  <a16:creationId xmlns:a16="http://schemas.microsoft.com/office/drawing/2014/main" id="{7664B5D7-1273-4CF6-8B39-6AA912B3A171}"/>
+                </a:ext>
+              </a:extLst>
+            </p:cNvPr>
+            <p:cNvCxnSpPr>
+              <a:cxnSpLocks/>
+              <a:stCxn id="127" idx="0"/>
+              <a:endCxn id="128" idx="2"/>
+            </p:cNvCxnSpPr>
+            <p:nvPr/>
+          </p:nvCxnSpPr>
+          <p:spPr>
+            <a:xfrm rot="16200000" flipV="1">
+              <a:off x="5154906" y="4083895"/>
+              <a:ext cx="321287" cy="755255"/>
+            </a:xfrm>
+            <a:prstGeom prst="bentConnector3">
+              <a:avLst>
+                <a:gd name="adj1" fmla="val 50000"/>
+              </a:avLst>
+            </a:prstGeom>
+            <a:ln>
+              <a:tailEnd type="triangle"/>
+            </a:ln>
+          </p:spPr>
+          <p:style>
+            <a:lnRef idx="1">
+              <a:schemeClr val="accent1"/>
+            </a:lnRef>
+            <a:fillRef idx="0">
+              <a:schemeClr val="accent1"/>
+            </a:fillRef>
+            <a:effectRef idx="0">
+              <a:schemeClr val="accent1"/>
+            </a:effectRef>
+            <a:fontRef idx="minor">
+              <a:schemeClr val="tx1"/>
+            </a:fontRef>
+          </p:style>
+        </p:cxnSp>
+        <p:sp>
+          <p:nvSpPr>
+            <p:cNvPr id="131" name="Rectangle 130">
+              <a:extLst>
+                <a:ext uri="{FF2B5EF4-FFF2-40B4-BE49-F238E27FC236}">
+                  <a16:creationId xmlns:a16="http://schemas.microsoft.com/office/drawing/2014/main" id="{CF14276A-72DC-4096-8572-1B5E04C1BFBA}"/>
+                </a:ext>
+              </a:extLst>
+            </p:cNvPr>
+            <p:cNvSpPr/>
+            <p:nvPr/>
+          </p:nvSpPr>
+          <p:spPr>
+            <a:xfrm>
+              <a:off x="4510322" y="3527304"/>
+              <a:ext cx="855195" cy="234461"/>
+            </a:xfrm>
+            <a:prstGeom prst="rect">
+              <a:avLst/>
+            </a:prstGeom>
+            <a:ln>
+              <a:noFill/>
+            </a:ln>
+          </p:spPr>
+          <p:style>
+            <a:lnRef idx="2">
+              <a:schemeClr val="accent1">
+                <a:shade val="50000"/>
+              </a:schemeClr>
+            </a:lnRef>
+            <a:fillRef idx="1">
+              <a:schemeClr val="accent1"/>
+            </a:fillRef>
+            <a:effectRef idx="0">
+              <a:schemeClr val="accent1"/>
+            </a:effectRef>
+            <a:fontRef idx="minor">
+              <a:schemeClr val="lt1"/>
+            </a:fontRef>
+          </p:style>
+          <p:txBody>
+            <a:bodyPr rtlCol="0" anchor="ctr"/>
+            <a:lstStyle/>
+            <a:p>
+              <a:pPr algn="ctr"/>
+              <a:r>
+                <a:rPr lang="en-US" dirty="0"/>
+                <a:t>X</a:t>
+              </a:r>
+            </a:p>
+          </p:txBody>
+        </p:sp>
+        <p:cxnSp>
+          <p:nvCxnSpPr>
+            <p:cNvPr id="132" name="Connector: Elbow 131">
+              <a:extLst>
+                <a:ext uri="{FF2B5EF4-FFF2-40B4-BE49-F238E27FC236}">
+                  <a16:creationId xmlns:a16="http://schemas.microsoft.com/office/drawing/2014/main" id="{2216B4D9-8D7F-4C27-ACBA-B3D4DA961F7D}"/>
+                </a:ext>
+              </a:extLst>
+            </p:cNvPr>
+            <p:cNvCxnSpPr>
+              <a:cxnSpLocks/>
+              <a:stCxn id="128" idx="0"/>
+              <a:endCxn id="131" idx="2"/>
+            </p:cNvCxnSpPr>
+            <p:nvPr/>
+          </p:nvCxnSpPr>
+          <p:spPr>
+            <a:xfrm rot="16200000" flipV="1">
+              <a:off x="4785595" y="3914091"/>
+              <a:ext cx="304653" cy="1"/>
+            </a:xfrm>
+            <a:prstGeom prst="bentConnector3">
+              <a:avLst>
+                <a:gd name="adj1" fmla="val 50000"/>
+              </a:avLst>
+            </a:prstGeom>
+            <a:ln>
+              <a:tailEnd type="triangle"/>
+            </a:ln>
+          </p:spPr>
+          <p:style>
+            <a:lnRef idx="1">
+              <a:schemeClr val="accent1"/>
+            </a:lnRef>
+            <a:fillRef idx="0">
+              <a:schemeClr val="accent1"/>
+            </a:fillRef>
+            <a:effectRef idx="0">
+              <a:schemeClr val="accent1"/>
+            </a:effectRef>
+            <a:fontRef idx="minor">
+              <a:schemeClr val="tx1"/>
+            </a:fontRef>
+          </p:style>
+        </p:cxnSp>
+        <p:sp>
+          <p:nvSpPr>
+            <p:cNvPr id="134" name="Rectangle 133">
+              <a:extLst>
+                <a:ext uri="{FF2B5EF4-FFF2-40B4-BE49-F238E27FC236}">
+                  <a16:creationId xmlns:a16="http://schemas.microsoft.com/office/drawing/2014/main" id="{B38C1EDB-3377-4854-8FF5-DF6D851CC9EC}"/>
+                </a:ext>
+              </a:extLst>
+            </p:cNvPr>
+            <p:cNvSpPr/>
+            <p:nvPr/>
+          </p:nvSpPr>
+          <p:spPr>
+            <a:xfrm>
+              <a:off x="5258103" y="3026379"/>
+              <a:ext cx="855195" cy="234461"/>
+            </a:xfrm>
+            <a:prstGeom prst="rect">
+              <a:avLst/>
+            </a:prstGeom>
+            <a:ln>
+              <a:noFill/>
+            </a:ln>
+          </p:spPr>
+          <p:style>
+            <a:lnRef idx="2">
+              <a:schemeClr val="accent1">
+                <a:shade val="50000"/>
+              </a:schemeClr>
+            </a:lnRef>
+            <a:fillRef idx="1">
+              <a:schemeClr val="accent1"/>
+            </a:fillRef>
+            <a:effectRef idx="0">
+              <a:schemeClr val="accent1"/>
+            </a:effectRef>
+            <a:fontRef idx="minor">
+              <a:schemeClr val="lt1"/>
+            </a:fontRef>
+          </p:style>
+          <p:txBody>
+            <a:bodyPr rtlCol="0" anchor="ctr"/>
+            <a:lstStyle/>
+            <a:p>
+              <a:pPr algn="ctr"/>
+              <a:r>
+                <a:rPr lang="en-US" sz="1200" dirty="0"/>
+                <a:t>RNN</a:t>
+              </a:r>
+            </a:p>
+          </p:txBody>
+        </p:sp>
+        <p:cxnSp>
+          <p:nvCxnSpPr>
+            <p:cNvPr id="135" name="Connector: Elbow 134">
+              <a:extLst>
+                <a:ext uri="{FF2B5EF4-FFF2-40B4-BE49-F238E27FC236}">
+                  <a16:creationId xmlns:a16="http://schemas.microsoft.com/office/drawing/2014/main" id="{6F18675D-40C5-4D41-9B3D-89B655955A8A}"/>
+                </a:ext>
+              </a:extLst>
+            </p:cNvPr>
+            <p:cNvCxnSpPr>
+              <a:cxnSpLocks/>
+              <a:stCxn id="131" idx="1"/>
+              <a:endCxn id="168" idx="3"/>
+            </p:cNvCxnSpPr>
+            <p:nvPr/>
+          </p:nvCxnSpPr>
+          <p:spPr>
+            <a:xfrm rot="10800000">
+              <a:off x="4156292" y="3260841"/>
+              <a:ext cx="354030" cy="383695"/>
+            </a:xfrm>
+            <a:prstGeom prst="bentConnector2">
+              <a:avLst/>
+            </a:prstGeom>
+            <a:ln>
+              <a:tailEnd type="triangle"/>
+            </a:ln>
+          </p:spPr>
+          <p:style>
+            <a:lnRef idx="1">
+              <a:schemeClr val="accent1"/>
+            </a:lnRef>
+            <a:fillRef idx="0">
+              <a:schemeClr val="accent1"/>
+            </a:fillRef>
+            <a:effectRef idx="0">
+              <a:schemeClr val="accent1"/>
+            </a:effectRef>
+            <a:fontRef idx="minor">
+              <a:schemeClr val="tx1"/>
+            </a:fontRef>
+          </p:style>
+        </p:cxnSp>
+        <p:cxnSp>
+          <p:nvCxnSpPr>
+            <p:cNvPr id="136" name="Connector: Elbow 135">
+              <a:extLst>
+                <a:ext uri="{FF2B5EF4-FFF2-40B4-BE49-F238E27FC236}">
+                  <a16:creationId xmlns:a16="http://schemas.microsoft.com/office/drawing/2014/main" id="{C60B9BE9-60B4-44B7-8715-9967267314BD}"/>
+                </a:ext>
+              </a:extLst>
+            </p:cNvPr>
+            <p:cNvCxnSpPr>
+              <a:cxnSpLocks/>
+              <a:stCxn id="131" idx="3"/>
+              <a:endCxn id="134" idx="2"/>
+            </p:cNvCxnSpPr>
+            <p:nvPr/>
+          </p:nvCxnSpPr>
+          <p:spPr>
+            <a:xfrm flipV="1">
+              <a:off x="5365517" y="3260840"/>
+              <a:ext cx="320184" cy="383695"/>
+            </a:xfrm>
+            <a:prstGeom prst="bentConnector2">
+              <a:avLst/>
+            </a:prstGeom>
+            <a:ln>
+              <a:tailEnd type="triangle"/>
+            </a:ln>
+          </p:spPr>
+          <p:style>
+            <a:lnRef idx="1">
+              <a:schemeClr val="accent1"/>
+            </a:lnRef>
+            <a:fillRef idx="0">
+              <a:schemeClr val="accent1"/>
+            </a:fillRef>
+            <a:effectRef idx="0">
+              <a:schemeClr val="accent1"/>
+            </a:effectRef>
+            <a:fontRef idx="minor">
+              <a:schemeClr val="tx1"/>
+            </a:fontRef>
+          </p:style>
+        </p:cxnSp>
+        <p:sp>
+          <p:nvSpPr>
+            <p:cNvPr id="137" name="Rectangle 136">
+              <a:extLst>
+                <a:ext uri="{FF2B5EF4-FFF2-40B4-BE49-F238E27FC236}">
+                  <a16:creationId xmlns:a16="http://schemas.microsoft.com/office/drawing/2014/main" id="{0422B6B4-CA4B-452F-9E73-FA7A6E44D631}"/>
+                </a:ext>
+              </a:extLst>
+            </p:cNvPr>
+            <p:cNvSpPr/>
+            <p:nvPr/>
+          </p:nvSpPr>
+          <p:spPr>
+            <a:xfrm>
+              <a:off x="4412508" y="2333720"/>
+              <a:ext cx="855195" cy="234461"/>
+            </a:xfrm>
+            <a:prstGeom prst="rect">
+              <a:avLst/>
+            </a:prstGeom>
+            <a:ln>
+              <a:noFill/>
+            </a:ln>
+          </p:spPr>
+          <p:style>
+            <a:lnRef idx="2">
+              <a:schemeClr val="accent1">
+                <a:shade val="50000"/>
+              </a:schemeClr>
+            </a:lnRef>
+            <a:fillRef idx="1">
+              <a:schemeClr val="accent1"/>
+            </a:fillRef>
+            <a:effectRef idx="0">
+              <a:schemeClr val="accent1"/>
+            </a:effectRef>
+            <a:fontRef idx="minor">
+              <a:schemeClr val="lt1"/>
+            </a:fontRef>
+          </p:style>
+          <p:txBody>
+            <a:bodyPr rtlCol="0" anchor="ctr"/>
+            <a:lstStyle/>
+            <a:p>
+              <a:pPr algn="ctr"/>
+              <a:r>
+                <a:rPr lang="en-US" dirty="0"/>
+                <a:t>H</a:t>
+              </a:r>
+            </a:p>
+          </p:txBody>
+        </p:sp>
+        <p:cxnSp>
+          <p:nvCxnSpPr>
+            <p:cNvPr id="138" name="Connector: Elbow 137">
+              <a:extLst>
+                <a:ext uri="{FF2B5EF4-FFF2-40B4-BE49-F238E27FC236}">
+                  <a16:creationId xmlns:a16="http://schemas.microsoft.com/office/drawing/2014/main" id="{2CF61960-7A52-42D3-9009-80B11434E2BB}"/>
+                </a:ext>
+              </a:extLst>
+            </p:cNvPr>
+            <p:cNvCxnSpPr>
+              <a:cxnSpLocks/>
+              <a:stCxn id="168" idx="0"/>
+              <a:endCxn id="137" idx="2"/>
+            </p:cNvCxnSpPr>
+            <p:nvPr/>
+          </p:nvCxnSpPr>
+          <p:spPr>
+            <a:xfrm rot="5400000" flipH="1" flipV="1">
+              <a:off x="4282656" y="2470882"/>
+              <a:ext cx="460151" cy="654750"/>
+            </a:xfrm>
+            <a:prstGeom prst="bentConnector3">
+              <a:avLst>
+                <a:gd name="adj1" fmla="val 50000"/>
+              </a:avLst>
+            </a:prstGeom>
+            <a:ln>
+              <a:tailEnd type="triangle"/>
+            </a:ln>
+          </p:spPr>
+          <p:style>
+            <a:lnRef idx="1">
+              <a:schemeClr val="accent1"/>
+            </a:lnRef>
+            <a:fillRef idx="0">
+              <a:schemeClr val="accent1"/>
+            </a:fillRef>
+            <a:effectRef idx="0">
+              <a:schemeClr val="accent1"/>
+            </a:effectRef>
+            <a:fontRef idx="minor">
+              <a:schemeClr val="tx1"/>
+            </a:fontRef>
+          </p:style>
+        </p:cxnSp>
+        <p:cxnSp>
+          <p:nvCxnSpPr>
+            <p:cNvPr id="139" name="Connector: Elbow 138">
+              <a:extLst>
+                <a:ext uri="{FF2B5EF4-FFF2-40B4-BE49-F238E27FC236}">
+                  <a16:creationId xmlns:a16="http://schemas.microsoft.com/office/drawing/2014/main" id="{CBF8526E-32A4-4796-9519-C94A9361F7D7}"/>
+                </a:ext>
+              </a:extLst>
+            </p:cNvPr>
+            <p:cNvCxnSpPr>
+              <a:cxnSpLocks/>
+              <a:stCxn id="134" idx="0"/>
+              <a:endCxn id="137" idx="2"/>
+            </p:cNvCxnSpPr>
+            <p:nvPr/>
+          </p:nvCxnSpPr>
+          <p:spPr>
+            <a:xfrm rot="16200000" flipV="1">
+              <a:off x="5033805" y="2374482"/>
+              <a:ext cx="458198" cy="845595"/>
+            </a:xfrm>
+            <a:prstGeom prst="bentConnector3">
+              <a:avLst>
+                <a:gd name="adj1" fmla="val 50000"/>
+              </a:avLst>
+            </a:prstGeom>
+            <a:ln>
+              <a:tailEnd type="triangle"/>
+            </a:ln>
+          </p:spPr>
+          <p:style>
+            <a:lnRef idx="1">
+              <a:schemeClr val="accent1"/>
+            </a:lnRef>
+            <a:fillRef idx="0">
+              <a:schemeClr val="accent1"/>
+            </a:fillRef>
+            <a:effectRef idx="0">
+              <a:schemeClr val="accent1"/>
+            </a:effectRef>
+            <a:fontRef idx="minor">
+              <a:schemeClr val="tx1"/>
+            </a:fontRef>
+          </p:style>
+        </p:cxnSp>
+        <p:sp>
+          <p:nvSpPr>
+            <p:cNvPr id="168" name="Parallelogram 167">
+              <a:extLst>
+                <a:ext uri="{FF2B5EF4-FFF2-40B4-BE49-F238E27FC236}">
+                  <a16:creationId xmlns:a16="http://schemas.microsoft.com/office/drawing/2014/main" id="{E68428CE-283E-45AA-BBA3-FB70864BE09A}"/>
+                </a:ext>
+              </a:extLst>
+            </p:cNvPr>
+            <p:cNvSpPr/>
+            <p:nvPr/>
+          </p:nvSpPr>
+          <p:spPr>
+            <a:xfrm>
+              <a:off x="3757758" y="3028332"/>
+              <a:ext cx="855195" cy="232508"/>
+            </a:xfrm>
+            <a:prstGeom prst="parallelogram">
+              <a:avLst/>
+            </a:prstGeom>
+            <a:ln>
+              <a:noFill/>
+            </a:ln>
+          </p:spPr>
+          <p:style>
+            <a:lnRef idx="2">
+              <a:schemeClr val="accent1">
+                <a:shade val="50000"/>
+              </a:schemeClr>
+            </a:lnRef>
+            <a:fillRef idx="1">
+              <a:schemeClr val="accent1"/>
+            </a:fillRef>
+            <a:effectRef idx="0">
+              <a:schemeClr val="accent1"/>
+            </a:effectRef>
+            <a:fontRef idx="minor">
+              <a:schemeClr val="lt1"/>
+            </a:fontRef>
+          </p:style>
+          <p:txBody>
+            <a:bodyPr rtlCol="0" anchor="ctr"/>
+            <a:lstStyle/>
+            <a:p>
+              <a:pPr algn="ctr"/>
+              <a:r>
+                <a:rPr lang="en-US" sz="1200" dirty="0"/>
+                <a:t>CNN</a:t>
+              </a:r>
+            </a:p>
+          </p:txBody>
+        </p:sp>
+        <p:sp>
+          <p:nvSpPr>
+            <p:cNvPr id="217" name="Rectangle 216">
+              <a:extLst>
+                <a:ext uri="{FF2B5EF4-FFF2-40B4-BE49-F238E27FC236}">
+                  <a16:creationId xmlns:a16="http://schemas.microsoft.com/office/drawing/2014/main" id="{876BB7CD-242A-46E2-8383-A3740D60E11C}"/>
+                </a:ext>
+              </a:extLst>
+            </p:cNvPr>
+            <p:cNvSpPr/>
+            <p:nvPr/>
+          </p:nvSpPr>
+          <p:spPr>
+            <a:xfrm>
+              <a:off x="4414409" y="1635238"/>
+              <a:ext cx="853296" cy="443020"/>
+            </a:xfrm>
+            <a:prstGeom prst="rect">
+              <a:avLst/>
+            </a:prstGeom>
+            <a:solidFill>
+              <a:schemeClr val="accent2">
+                <a:lumMod val="60000"/>
+                <a:lumOff val="40000"/>
+              </a:schemeClr>
+            </a:solidFill>
+            <a:ln>
+              <a:noFill/>
+            </a:ln>
+          </p:spPr>
+          <p:style>
+            <a:lnRef idx="2">
+              <a:schemeClr val="accent1">
+                <a:shade val="50000"/>
+              </a:schemeClr>
+            </a:lnRef>
+            <a:fillRef idx="1">
+              <a:schemeClr val="accent1"/>
+            </a:fillRef>
+            <a:effectRef idx="0">
+              <a:schemeClr val="accent1"/>
+            </a:effectRef>
+            <a:fontRef idx="minor">
+              <a:schemeClr val="lt1"/>
+            </a:fontRef>
+          </p:style>
+          <p:txBody>
+            <a:bodyPr rtlCol="0" anchor="ctr"/>
+            <a:lstStyle/>
+            <a:p>
+              <a:pPr algn="ctr"/>
+              <a:r>
+                <a:rPr lang="en-US" dirty="0"/>
+                <a:t>G</a:t>
+              </a:r>
+            </a:p>
+          </p:txBody>
+        </p:sp>
+        <p:cxnSp>
+          <p:nvCxnSpPr>
+            <p:cNvPr id="218" name="Connector: Elbow 217">
+              <a:extLst>
+                <a:ext uri="{FF2B5EF4-FFF2-40B4-BE49-F238E27FC236}">
+                  <a16:creationId xmlns:a16="http://schemas.microsoft.com/office/drawing/2014/main" id="{20946632-3D3B-434D-9CE0-0028F3AC5E1D}"/>
+                </a:ext>
+              </a:extLst>
+            </p:cNvPr>
+            <p:cNvCxnSpPr>
+              <a:cxnSpLocks/>
+              <a:stCxn id="137" idx="0"/>
+              <a:endCxn id="217" idx="2"/>
+            </p:cNvCxnSpPr>
+            <p:nvPr/>
+          </p:nvCxnSpPr>
+          <p:spPr>
+            <a:xfrm rot="5400000" flipH="1" flipV="1">
+              <a:off x="4712850" y="2205514"/>
+              <a:ext cx="255462" cy="951"/>
+            </a:xfrm>
+            <a:prstGeom prst="bentConnector3">
+              <a:avLst>
+                <a:gd name="adj1" fmla="val 50000"/>
+              </a:avLst>
+            </a:prstGeom>
+            <a:ln>
+              <a:tailEnd type="triangle"/>
+            </a:ln>
+          </p:spPr>
+          <p:style>
+            <a:lnRef idx="1">
+              <a:schemeClr val="accent1"/>
+            </a:lnRef>
+            <a:fillRef idx="0">
+              <a:schemeClr val="accent1"/>
+            </a:fillRef>
+            <a:effectRef idx="0">
+              <a:schemeClr val="accent1"/>
+            </a:effectRef>
+            <a:fontRef idx="minor">
+              <a:schemeClr val="tx1"/>
+            </a:fontRef>
+          </p:style>
+        </p:cxnSp>
+        <p:cxnSp>
+          <p:nvCxnSpPr>
+            <p:cNvPr id="222" name="Connector: Elbow 221">
+              <a:extLst>
+                <a:ext uri="{FF2B5EF4-FFF2-40B4-BE49-F238E27FC236}">
+                  <a16:creationId xmlns:a16="http://schemas.microsoft.com/office/drawing/2014/main" id="{040A4C15-393C-4B2E-BA38-E1B3C80EA6A3}"/>
+                </a:ext>
+              </a:extLst>
+            </p:cNvPr>
+            <p:cNvCxnSpPr>
+              <a:cxnSpLocks/>
+              <a:stCxn id="263" idx="0"/>
+              <a:endCxn id="217" idx="3"/>
+            </p:cNvCxnSpPr>
+            <p:nvPr/>
+          </p:nvCxnSpPr>
+          <p:spPr>
+            <a:xfrm rot="16200000" flipV="1">
+              <a:off x="6315272" y="809181"/>
+              <a:ext cx="476972" cy="2572105"/>
+            </a:xfrm>
+            <a:prstGeom prst="bentConnector2">
+              <a:avLst/>
+            </a:prstGeom>
+            <a:ln>
+              <a:solidFill>
+                <a:schemeClr val="accent6"/>
+              </a:solidFill>
+              <a:tailEnd type="triangle"/>
+            </a:ln>
+          </p:spPr>
+          <p:style>
+            <a:lnRef idx="1">
+              <a:schemeClr val="accent1"/>
+            </a:lnRef>
+            <a:fillRef idx="0">
+              <a:schemeClr val="accent1"/>
+            </a:fillRef>
+            <a:effectRef idx="0">
+              <a:schemeClr val="accent1"/>
+            </a:effectRef>
+            <a:fontRef idx="minor">
+              <a:schemeClr val="tx1"/>
+            </a:fontRef>
+          </p:style>
+        </p:cxnSp>
+        <p:sp>
+          <p:nvSpPr>
+            <p:cNvPr id="244" name="Rectangle 243">
+              <a:extLst>
+                <a:ext uri="{FF2B5EF4-FFF2-40B4-BE49-F238E27FC236}">
+                  <a16:creationId xmlns:a16="http://schemas.microsoft.com/office/drawing/2014/main" id="{A82D4AAF-5390-4211-A32A-D10C336A9C8D}"/>
+                </a:ext>
+              </a:extLst>
+            </p:cNvPr>
+            <p:cNvSpPr/>
+            <p:nvPr/>
+          </p:nvSpPr>
+          <p:spPr>
+            <a:xfrm>
+              <a:off x="4413458" y="954574"/>
+              <a:ext cx="853296" cy="443020"/>
+            </a:xfrm>
+            <a:prstGeom prst="rect">
+              <a:avLst/>
+            </a:prstGeom>
+            <a:solidFill>
+              <a:srgbClr val="7030A0"/>
+            </a:solidFill>
+            <a:ln>
+              <a:noFill/>
+            </a:ln>
+          </p:spPr>
+          <p:style>
+            <a:lnRef idx="2">
+              <a:schemeClr val="accent1">
+                <a:shade val="50000"/>
+              </a:schemeClr>
+            </a:lnRef>
+            <a:fillRef idx="1">
+              <a:schemeClr val="accent1"/>
+            </a:fillRef>
+            <a:effectRef idx="0">
+              <a:schemeClr val="accent1"/>
+            </a:effectRef>
+            <a:fontRef idx="minor">
+              <a:schemeClr val="lt1"/>
+            </a:fontRef>
+          </p:style>
+          <p:txBody>
+            <a:bodyPr rtlCol="0" anchor="ctr"/>
+            <a:lstStyle/>
+            <a:p>
+              <a:pPr algn="ctr"/>
+              <a:r>
+                <a:rPr lang="en-US" dirty="0"/>
+                <a:t>M</a:t>
+              </a:r>
+            </a:p>
+          </p:txBody>
+        </p:sp>
+        <p:sp>
+          <p:nvSpPr>
+            <p:cNvPr id="253" name="Rectangle 252">
+              <a:extLst>
+                <a:ext uri="{FF2B5EF4-FFF2-40B4-BE49-F238E27FC236}">
+                  <a16:creationId xmlns:a16="http://schemas.microsoft.com/office/drawing/2014/main" id="{4BC0FA5F-0040-4199-95BC-E8BA5676A35B}"/>
+                </a:ext>
+              </a:extLst>
+            </p:cNvPr>
+            <p:cNvSpPr/>
+            <p:nvPr/>
+          </p:nvSpPr>
+          <p:spPr>
+            <a:xfrm>
+              <a:off x="6523596" y="4611078"/>
+              <a:ext cx="855195" cy="234461"/>
+            </a:xfrm>
+            <a:prstGeom prst="rect">
+              <a:avLst/>
+            </a:prstGeom>
+            <a:solidFill>
+              <a:schemeClr val="accent6"/>
+            </a:solidFill>
+            <a:ln>
+              <a:noFill/>
+            </a:ln>
+          </p:spPr>
+          <p:style>
+            <a:lnRef idx="2">
+              <a:schemeClr val="accent1">
+                <a:shade val="50000"/>
+              </a:schemeClr>
+            </a:lnRef>
+            <a:fillRef idx="1">
+              <a:schemeClr val="accent1"/>
+            </a:fillRef>
+            <a:effectRef idx="0">
+              <a:schemeClr val="accent1"/>
+            </a:effectRef>
+            <a:fontRef idx="minor">
+              <a:schemeClr val="lt1"/>
+            </a:fontRef>
+          </p:style>
+          <p:txBody>
+            <a:bodyPr rtlCol="0" anchor="ctr"/>
+            <a:lstStyle/>
+            <a:p>
+              <a:pPr algn="ctr"/>
+              <a:r>
+                <a:rPr lang="en-US" sz="1200" dirty="0"/>
+                <a:t>char emb</a:t>
+              </a:r>
+            </a:p>
+          </p:txBody>
+        </p:sp>
+        <p:sp>
+          <p:nvSpPr>
+            <p:cNvPr id="254" name="Rectangle 253">
+              <a:extLst>
+                <a:ext uri="{FF2B5EF4-FFF2-40B4-BE49-F238E27FC236}">
+                  <a16:creationId xmlns:a16="http://schemas.microsoft.com/office/drawing/2014/main" id="{05F60F56-5FC0-4E9C-B649-02394083E9BF}"/>
+                </a:ext>
+              </a:extLst>
+            </p:cNvPr>
+            <p:cNvSpPr/>
+            <p:nvPr/>
+          </p:nvSpPr>
+          <p:spPr>
+            <a:xfrm>
+              <a:off x="8251681" y="4611077"/>
+              <a:ext cx="855195" cy="234461"/>
+            </a:xfrm>
+            <a:prstGeom prst="rect">
+              <a:avLst/>
+            </a:prstGeom>
+            <a:solidFill>
+              <a:schemeClr val="accent6"/>
+            </a:solidFill>
+            <a:ln>
+              <a:noFill/>
+            </a:ln>
+          </p:spPr>
+          <p:style>
+            <a:lnRef idx="2">
+              <a:schemeClr val="accent1">
+                <a:shade val="50000"/>
+              </a:schemeClr>
+            </a:lnRef>
+            <a:fillRef idx="1">
+              <a:schemeClr val="accent1"/>
+            </a:fillRef>
+            <a:effectRef idx="0">
+              <a:schemeClr val="accent1"/>
+            </a:effectRef>
+            <a:fontRef idx="minor">
+              <a:schemeClr val="lt1"/>
+            </a:fontRef>
+          </p:style>
+          <p:txBody>
+            <a:bodyPr rtlCol="0" anchor="ctr"/>
+            <a:lstStyle/>
+            <a:p>
+              <a:pPr algn="ctr"/>
+              <a:r>
+                <a:rPr lang="en-US" sz="1200" dirty="0"/>
+                <a:t>word emb</a:t>
+              </a:r>
+            </a:p>
+          </p:txBody>
+        </p:sp>
+        <p:sp>
+          <p:nvSpPr>
+            <p:cNvPr id="255" name="Rectangle 254">
+              <a:extLst>
+                <a:ext uri="{FF2B5EF4-FFF2-40B4-BE49-F238E27FC236}">
+                  <a16:creationId xmlns:a16="http://schemas.microsoft.com/office/drawing/2014/main" id="{E62AF79C-A045-48B1-B0D9-D5CF27C4BBA1}"/>
+                </a:ext>
+              </a:extLst>
+            </p:cNvPr>
+            <p:cNvSpPr/>
+            <p:nvPr/>
+          </p:nvSpPr>
+          <p:spPr>
+            <a:xfrm>
+              <a:off x="7412213" y="4044703"/>
+              <a:ext cx="855195" cy="234461"/>
+            </a:xfrm>
+            <a:prstGeom prst="rect">
+              <a:avLst/>
+            </a:prstGeom>
+            <a:solidFill>
+              <a:schemeClr val="accent6"/>
+            </a:solidFill>
+            <a:ln>
+              <a:noFill/>
+            </a:ln>
+          </p:spPr>
+          <p:style>
+            <a:lnRef idx="2">
+              <a:schemeClr val="accent1">
+                <a:shade val="50000"/>
+              </a:schemeClr>
+            </a:lnRef>
+            <a:fillRef idx="1">
+              <a:schemeClr val="accent1"/>
+            </a:fillRef>
+            <a:effectRef idx="0">
+              <a:schemeClr val="accent1"/>
+            </a:effectRef>
+            <a:fontRef idx="minor">
+              <a:schemeClr val="lt1"/>
+            </a:fontRef>
+          </p:style>
+          <p:txBody>
+            <a:bodyPr rtlCol="0" anchor="ctr"/>
+            <a:lstStyle/>
+            <a:p>
+              <a:pPr algn="ctr"/>
+              <a:r>
+                <a:rPr lang="en-US" dirty="0"/>
+                <a:t>Q</a:t>
+              </a:r>
+            </a:p>
+          </p:txBody>
+        </p:sp>
+        <p:cxnSp>
+          <p:nvCxnSpPr>
+            <p:cNvPr id="256" name="Connector: Elbow 255">
+              <a:extLst>
+                <a:ext uri="{FF2B5EF4-FFF2-40B4-BE49-F238E27FC236}">
+                  <a16:creationId xmlns:a16="http://schemas.microsoft.com/office/drawing/2014/main" id="{71AFE29C-70DB-4DA1-8701-30C50FB8501F}"/>
+                </a:ext>
+              </a:extLst>
+            </p:cNvPr>
+            <p:cNvCxnSpPr>
+              <a:cxnSpLocks/>
+              <a:stCxn id="253" idx="0"/>
+              <a:endCxn id="255" idx="2"/>
+            </p:cNvCxnSpPr>
+            <p:nvPr/>
+          </p:nvCxnSpPr>
+          <p:spPr>
+            <a:xfrm rot="5400000" flipH="1" flipV="1">
+              <a:off x="7229545" y="4000813"/>
+              <a:ext cx="331914" cy="888617"/>
+            </a:xfrm>
+            <a:prstGeom prst="bentConnector3">
+              <a:avLst>
+                <a:gd name="adj1" fmla="val 50000"/>
+              </a:avLst>
+            </a:prstGeom>
+            <a:ln>
+              <a:solidFill>
+                <a:schemeClr val="accent6"/>
+              </a:solidFill>
+              <a:tailEnd type="triangle"/>
+            </a:ln>
+          </p:spPr>
+          <p:style>
+            <a:lnRef idx="1">
+              <a:schemeClr val="accent1"/>
+            </a:lnRef>
+            <a:fillRef idx="0">
+              <a:schemeClr val="accent1"/>
+            </a:fillRef>
+            <a:effectRef idx="0">
+              <a:schemeClr val="accent1"/>
+            </a:effectRef>
+            <a:fontRef idx="minor">
+              <a:schemeClr val="tx1"/>
+            </a:fontRef>
+          </p:style>
+        </p:cxnSp>
+        <p:cxnSp>
+          <p:nvCxnSpPr>
+            <p:cNvPr id="257" name="Connector: Elbow 256">
+              <a:extLst>
+                <a:ext uri="{FF2B5EF4-FFF2-40B4-BE49-F238E27FC236}">
+                  <a16:creationId xmlns:a16="http://schemas.microsoft.com/office/drawing/2014/main" id="{7D7FE4AC-8E1B-476B-8097-1AF276162C79}"/>
+                </a:ext>
+              </a:extLst>
+            </p:cNvPr>
+            <p:cNvCxnSpPr>
+              <a:cxnSpLocks/>
+              <a:stCxn id="254" idx="0"/>
+              <a:endCxn id="255" idx="2"/>
+            </p:cNvCxnSpPr>
+            <p:nvPr/>
+          </p:nvCxnSpPr>
+          <p:spPr>
+            <a:xfrm rot="16200000" flipV="1">
+              <a:off x="8093589" y="4025387"/>
+              <a:ext cx="331913" cy="839468"/>
+            </a:xfrm>
+            <a:prstGeom prst="bentConnector3">
+              <a:avLst>
+                <a:gd name="adj1" fmla="val 50000"/>
+              </a:avLst>
+            </a:prstGeom>
+            <a:ln>
+              <a:solidFill>
+                <a:schemeClr val="accent6"/>
+              </a:solidFill>
+              <a:tailEnd type="triangle"/>
+            </a:ln>
+          </p:spPr>
+          <p:style>
+            <a:lnRef idx="1">
+              <a:schemeClr val="accent1"/>
+            </a:lnRef>
+            <a:fillRef idx="0">
+              <a:schemeClr val="accent1"/>
+            </a:fillRef>
+            <a:effectRef idx="0">
+              <a:schemeClr val="accent1"/>
+            </a:effectRef>
+            <a:fontRef idx="minor">
+              <a:schemeClr val="tx1"/>
+            </a:fontRef>
+          </p:style>
+        </p:cxnSp>
+        <p:sp>
+          <p:nvSpPr>
+            <p:cNvPr id="258" name="Rectangle 257">
+              <a:extLst>
+                <a:ext uri="{FF2B5EF4-FFF2-40B4-BE49-F238E27FC236}">
+                  <a16:creationId xmlns:a16="http://schemas.microsoft.com/office/drawing/2014/main" id="{9EF01AD8-6D48-452D-B584-02F23E2F24CD}"/>
+                </a:ext>
+              </a:extLst>
+            </p:cNvPr>
+            <p:cNvSpPr/>
+            <p:nvPr/>
+          </p:nvSpPr>
+          <p:spPr>
+            <a:xfrm>
+              <a:off x="7412212" y="3543778"/>
+              <a:ext cx="855195" cy="234461"/>
+            </a:xfrm>
+            <a:prstGeom prst="rect">
+              <a:avLst/>
+            </a:prstGeom>
+            <a:solidFill>
+              <a:schemeClr val="accent6"/>
+            </a:solidFill>
+            <a:ln>
+              <a:noFill/>
+            </a:ln>
+          </p:spPr>
+          <p:style>
+            <a:lnRef idx="2">
+              <a:schemeClr val="accent1">
+                <a:shade val="50000"/>
+              </a:schemeClr>
+            </a:lnRef>
+            <a:fillRef idx="1">
+              <a:schemeClr val="accent1"/>
+            </a:fillRef>
+            <a:effectRef idx="0">
+              <a:schemeClr val="accent1"/>
+            </a:effectRef>
+            <a:fontRef idx="minor">
+              <a:schemeClr val="lt1"/>
+            </a:fontRef>
+          </p:style>
+          <p:txBody>
+            <a:bodyPr rtlCol="0" anchor="ctr"/>
+            <a:lstStyle/>
+            <a:p>
+              <a:pPr algn="ctr"/>
+              <a:r>
+                <a:rPr lang="en-US" dirty="0"/>
+                <a:t>Y</a:t>
+              </a:r>
+            </a:p>
+          </p:txBody>
+        </p:sp>
+        <p:cxnSp>
+          <p:nvCxnSpPr>
+            <p:cNvPr id="259" name="Connector: Elbow 258">
+              <a:extLst>
+                <a:ext uri="{FF2B5EF4-FFF2-40B4-BE49-F238E27FC236}">
+                  <a16:creationId xmlns:a16="http://schemas.microsoft.com/office/drawing/2014/main" id="{24F5D8F4-6D57-4633-B41A-EF1FACCCDFB4}"/>
+                </a:ext>
+              </a:extLst>
+            </p:cNvPr>
+            <p:cNvCxnSpPr>
+              <a:cxnSpLocks/>
+              <a:stCxn id="255" idx="0"/>
+              <a:endCxn id="258" idx="2"/>
+            </p:cNvCxnSpPr>
+            <p:nvPr/>
+          </p:nvCxnSpPr>
+          <p:spPr>
+            <a:xfrm rot="16200000" flipV="1">
+              <a:off x="7706579" y="3911470"/>
+              <a:ext cx="266464" cy="1"/>
+            </a:xfrm>
+            <a:prstGeom prst="bentConnector3">
+              <a:avLst>
+                <a:gd name="adj1" fmla="val 50000"/>
+              </a:avLst>
+            </a:prstGeom>
+            <a:ln>
+              <a:solidFill>
+                <a:schemeClr val="accent6"/>
+              </a:solidFill>
+              <a:tailEnd type="triangle"/>
+            </a:ln>
+          </p:spPr>
+          <p:style>
+            <a:lnRef idx="1">
+              <a:schemeClr val="accent1"/>
+            </a:lnRef>
+            <a:fillRef idx="0">
+              <a:schemeClr val="accent1"/>
+            </a:fillRef>
+            <a:effectRef idx="0">
+              <a:schemeClr val="accent1"/>
+            </a:effectRef>
+            <a:fontRef idx="minor">
+              <a:schemeClr val="tx1"/>
+            </a:fontRef>
+          </p:style>
+        </p:cxnSp>
+        <p:sp>
+          <p:nvSpPr>
+            <p:cNvPr id="260" name="Rectangle 259">
+              <a:extLst>
+                <a:ext uri="{FF2B5EF4-FFF2-40B4-BE49-F238E27FC236}">
+                  <a16:creationId xmlns:a16="http://schemas.microsoft.com/office/drawing/2014/main" id="{37ABF87F-935B-4FEF-A97F-E919E7E26D8E}"/>
+                </a:ext>
+              </a:extLst>
+            </p:cNvPr>
+            <p:cNvSpPr/>
+            <p:nvPr/>
+          </p:nvSpPr>
+          <p:spPr>
+            <a:xfrm>
+              <a:off x="8257807" y="3042853"/>
+              <a:ext cx="855195" cy="234461"/>
+            </a:xfrm>
+            <a:prstGeom prst="rect">
+              <a:avLst/>
+            </a:prstGeom>
+            <a:solidFill>
+              <a:schemeClr val="accent6"/>
+            </a:solidFill>
+            <a:ln>
+              <a:noFill/>
+            </a:ln>
+          </p:spPr>
+          <p:style>
+            <a:lnRef idx="2">
+              <a:schemeClr val="accent1">
+                <a:shade val="50000"/>
+              </a:schemeClr>
+            </a:lnRef>
+            <a:fillRef idx="1">
+              <a:schemeClr val="accent1"/>
+            </a:fillRef>
+            <a:effectRef idx="0">
+              <a:schemeClr val="accent1"/>
+            </a:effectRef>
+            <a:fontRef idx="minor">
+              <a:schemeClr val="lt1"/>
+            </a:fontRef>
+          </p:style>
+          <p:txBody>
+            <a:bodyPr rtlCol="0" anchor="ctr"/>
+            <a:lstStyle/>
+            <a:p>
+              <a:pPr algn="ctr"/>
+              <a:r>
+                <a:rPr lang="en-US" sz="1200" dirty="0"/>
+                <a:t>RNN</a:t>
+              </a:r>
+            </a:p>
+          </p:txBody>
+        </p:sp>
+        <p:cxnSp>
+          <p:nvCxnSpPr>
+            <p:cNvPr id="261" name="Connector: Elbow 260">
+              <a:extLst>
+                <a:ext uri="{FF2B5EF4-FFF2-40B4-BE49-F238E27FC236}">
+                  <a16:creationId xmlns:a16="http://schemas.microsoft.com/office/drawing/2014/main" id="{5214D1D6-F571-4C9C-AB6E-E860CEF354D9}"/>
+                </a:ext>
+              </a:extLst>
+            </p:cNvPr>
+            <p:cNvCxnSpPr>
+              <a:cxnSpLocks/>
+              <a:stCxn id="258" idx="1"/>
+              <a:endCxn id="266" idx="3"/>
+            </p:cNvCxnSpPr>
+            <p:nvPr/>
+          </p:nvCxnSpPr>
+          <p:spPr>
+            <a:xfrm rot="10800000">
+              <a:off x="6922130" y="3275361"/>
+              <a:ext cx="490082" cy="385648"/>
+            </a:xfrm>
+            <a:prstGeom prst="bentConnector2">
+              <a:avLst/>
+            </a:prstGeom>
+            <a:ln>
+              <a:solidFill>
+                <a:schemeClr val="accent6"/>
+              </a:solidFill>
+              <a:tailEnd type="triangle"/>
+            </a:ln>
+          </p:spPr>
+          <p:style>
+            <a:lnRef idx="1">
+              <a:schemeClr val="accent1"/>
+            </a:lnRef>
+            <a:fillRef idx="0">
+              <a:schemeClr val="accent1"/>
+            </a:fillRef>
+            <a:effectRef idx="0">
+              <a:schemeClr val="accent1"/>
+            </a:effectRef>
+            <a:fontRef idx="minor">
+              <a:schemeClr val="tx1"/>
+            </a:fontRef>
+          </p:style>
+        </p:cxnSp>
+        <p:cxnSp>
+          <p:nvCxnSpPr>
+            <p:cNvPr id="262" name="Connector: Elbow 261">
+              <a:extLst>
+                <a:ext uri="{FF2B5EF4-FFF2-40B4-BE49-F238E27FC236}">
+                  <a16:creationId xmlns:a16="http://schemas.microsoft.com/office/drawing/2014/main" id="{101C67BF-8939-4049-9D81-E0553211B60F}"/>
+                </a:ext>
+              </a:extLst>
+            </p:cNvPr>
+            <p:cNvCxnSpPr>
+              <a:cxnSpLocks/>
+              <a:stCxn id="258" idx="3"/>
+              <a:endCxn id="260" idx="2"/>
+            </p:cNvCxnSpPr>
+            <p:nvPr/>
+          </p:nvCxnSpPr>
+          <p:spPr>
+            <a:xfrm flipV="1">
+              <a:off x="8267407" y="3277314"/>
+              <a:ext cx="417998" cy="383695"/>
+            </a:xfrm>
+            <a:prstGeom prst="bentConnector2">
+              <a:avLst/>
+            </a:prstGeom>
+            <a:ln>
+              <a:solidFill>
+                <a:schemeClr val="accent6"/>
+              </a:solidFill>
+              <a:tailEnd type="triangle"/>
+            </a:ln>
+          </p:spPr>
+          <p:style>
+            <a:lnRef idx="1">
+              <a:schemeClr val="accent1"/>
+            </a:lnRef>
+            <a:fillRef idx="0">
+              <a:schemeClr val="accent1"/>
+            </a:fillRef>
+            <a:effectRef idx="0">
+              <a:schemeClr val="accent1"/>
+            </a:effectRef>
+            <a:fontRef idx="minor">
+              <a:schemeClr val="tx1"/>
+            </a:fontRef>
+          </p:style>
+        </p:cxnSp>
+        <p:sp>
+          <p:nvSpPr>
+            <p:cNvPr id="263" name="Rectangle 262">
+              <a:extLst>
+                <a:ext uri="{FF2B5EF4-FFF2-40B4-BE49-F238E27FC236}">
+                  <a16:creationId xmlns:a16="http://schemas.microsoft.com/office/drawing/2014/main" id="{4D7C705A-A326-49C0-A02E-19F757FBB7D3}"/>
+                </a:ext>
+              </a:extLst>
+            </p:cNvPr>
+            <p:cNvSpPr/>
+            <p:nvPr/>
+          </p:nvSpPr>
+          <p:spPr>
+            <a:xfrm>
+              <a:off x="7412212" y="2333720"/>
+              <a:ext cx="855195" cy="234461"/>
+            </a:xfrm>
+            <a:prstGeom prst="rect">
+              <a:avLst/>
+            </a:prstGeom>
+            <a:solidFill>
+              <a:schemeClr val="accent6"/>
+            </a:solidFill>
+            <a:ln>
+              <a:noFill/>
+            </a:ln>
+          </p:spPr>
+          <p:style>
+            <a:lnRef idx="2">
+              <a:schemeClr val="accent1">
+                <a:shade val="50000"/>
+              </a:schemeClr>
+            </a:lnRef>
+            <a:fillRef idx="1">
+              <a:schemeClr val="accent1"/>
+            </a:fillRef>
+            <a:effectRef idx="0">
+              <a:schemeClr val="accent1"/>
+            </a:effectRef>
+            <a:fontRef idx="minor">
+              <a:schemeClr val="lt1"/>
+            </a:fontRef>
+          </p:style>
+          <p:txBody>
+            <a:bodyPr rtlCol="0" anchor="ctr"/>
+            <a:lstStyle/>
+            <a:p>
+              <a:pPr algn="ctr"/>
+              <a:r>
+                <a:rPr lang="en-US" dirty="0"/>
+                <a:t>U</a:t>
+              </a:r>
+            </a:p>
+          </p:txBody>
+        </p:sp>
+        <p:cxnSp>
+          <p:nvCxnSpPr>
+            <p:cNvPr id="264" name="Connector: Elbow 263">
+              <a:extLst>
+                <a:ext uri="{FF2B5EF4-FFF2-40B4-BE49-F238E27FC236}">
+                  <a16:creationId xmlns:a16="http://schemas.microsoft.com/office/drawing/2014/main" id="{B5262EE1-D33F-40A0-A2DA-5E7029E1896C}"/>
+                </a:ext>
+              </a:extLst>
+            </p:cNvPr>
+            <p:cNvCxnSpPr>
+              <a:cxnSpLocks/>
+              <a:stCxn id="266" idx="0"/>
+              <a:endCxn id="263" idx="2"/>
+            </p:cNvCxnSpPr>
+            <p:nvPr/>
+          </p:nvCxnSpPr>
+          <p:spPr>
+            <a:xfrm rot="5400000" flipH="1" flipV="1">
+              <a:off x="7158166" y="2361209"/>
+              <a:ext cx="474672" cy="888616"/>
+            </a:xfrm>
+            <a:prstGeom prst="bentConnector3">
+              <a:avLst>
+                <a:gd name="adj1" fmla="val 50000"/>
+              </a:avLst>
+            </a:prstGeom>
+            <a:ln>
+              <a:solidFill>
+                <a:schemeClr val="accent6"/>
+              </a:solidFill>
+              <a:tailEnd type="triangle"/>
+            </a:ln>
+          </p:spPr>
+          <p:style>
+            <a:lnRef idx="1">
+              <a:schemeClr val="accent1"/>
+            </a:lnRef>
+            <a:fillRef idx="0">
+              <a:schemeClr val="accent1"/>
+            </a:fillRef>
+            <a:effectRef idx="0">
+              <a:schemeClr val="accent1"/>
+            </a:effectRef>
+            <a:fontRef idx="minor">
+              <a:schemeClr val="tx1"/>
+            </a:fontRef>
+          </p:style>
+        </p:cxnSp>
+        <p:cxnSp>
+          <p:nvCxnSpPr>
+            <p:cNvPr id="265" name="Connector: Elbow 264">
+              <a:extLst>
+                <a:ext uri="{FF2B5EF4-FFF2-40B4-BE49-F238E27FC236}">
+                  <a16:creationId xmlns:a16="http://schemas.microsoft.com/office/drawing/2014/main" id="{6253FAEE-F9F7-495C-98FE-ACCBDEC04656}"/>
+                </a:ext>
+              </a:extLst>
+            </p:cNvPr>
+            <p:cNvCxnSpPr>
+              <a:cxnSpLocks/>
+              <a:stCxn id="260" idx="0"/>
+              <a:endCxn id="263" idx="2"/>
+            </p:cNvCxnSpPr>
+            <p:nvPr/>
+          </p:nvCxnSpPr>
+          <p:spPr>
+            <a:xfrm rot="16200000" flipV="1">
+              <a:off x="8025272" y="2382719"/>
+              <a:ext cx="474672" cy="845595"/>
+            </a:xfrm>
+            <a:prstGeom prst="bentConnector3">
+              <a:avLst>
+                <a:gd name="adj1" fmla="val 50000"/>
+              </a:avLst>
+            </a:prstGeom>
+            <a:ln>
+              <a:solidFill>
+                <a:schemeClr val="accent6"/>
+              </a:solidFill>
+              <a:tailEnd type="triangle"/>
+            </a:ln>
+          </p:spPr>
+          <p:style>
+            <a:lnRef idx="1">
+              <a:schemeClr val="accent1"/>
+            </a:lnRef>
+            <a:fillRef idx="0">
+              <a:schemeClr val="accent1"/>
+            </a:fillRef>
+            <a:effectRef idx="0">
+              <a:schemeClr val="accent1"/>
+            </a:effectRef>
+            <a:fontRef idx="minor">
+              <a:schemeClr val="tx1"/>
+            </a:fontRef>
+          </p:style>
+        </p:cxnSp>
+        <p:sp>
+          <p:nvSpPr>
+            <p:cNvPr id="266" name="Parallelogram 265">
+              <a:extLst>
+                <a:ext uri="{FF2B5EF4-FFF2-40B4-BE49-F238E27FC236}">
+                  <a16:creationId xmlns:a16="http://schemas.microsoft.com/office/drawing/2014/main" id="{ABB00494-447A-4EB8-BCC8-4A5F7F9FF0D9}"/>
+                </a:ext>
+              </a:extLst>
+            </p:cNvPr>
+            <p:cNvSpPr/>
+            <p:nvPr/>
+          </p:nvSpPr>
+          <p:spPr>
+            <a:xfrm>
+              <a:off x="6523596" y="3042853"/>
+              <a:ext cx="855195" cy="232508"/>
+            </a:xfrm>
+            <a:prstGeom prst="parallelogram">
+              <a:avLst/>
+            </a:prstGeom>
+            <a:solidFill>
+              <a:schemeClr val="accent6"/>
+            </a:solidFill>
+            <a:ln>
+              <a:noFill/>
+            </a:ln>
+          </p:spPr>
+          <p:style>
+            <a:lnRef idx="2">
+              <a:schemeClr val="accent1">
+                <a:shade val="50000"/>
+              </a:schemeClr>
+            </a:lnRef>
+            <a:fillRef idx="1">
+              <a:schemeClr val="accent1"/>
+            </a:fillRef>
+            <a:effectRef idx="0">
+              <a:schemeClr val="accent1"/>
+            </a:effectRef>
+            <a:fontRef idx="minor">
+              <a:schemeClr val="lt1"/>
+            </a:fontRef>
+          </p:style>
+          <p:txBody>
+            <a:bodyPr rtlCol="0" anchor="ctr"/>
+            <a:lstStyle/>
+            <a:p>
+              <a:pPr algn="ctr"/>
+              <a:r>
+                <a:rPr lang="en-US" sz="1200" dirty="0"/>
+                <a:t>CNN</a:t>
+              </a:r>
+            </a:p>
+          </p:txBody>
+        </p:sp>
+        <p:cxnSp>
+          <p:nvCxnSpPr>
+            <p:cNvPr id="270" name="Connector: Elbow 269">
+              <a:extLst>
+                <a:ext uri="{FF2B5EF4-FFF2-40B4-BE49-F238E27FC236}">
+                  <a16:creationId xmlns:a16="http://schemas.microsoft.com/office/drawing/2014/main" id="{39EEB3A9-EDC9-40C1-8BC9-0D09BC6251FA}"/>
+                </a:ext>
+              </a:extLst>
+            </p:cNvPr>
+            <p:cNvCxnSpPr>
+              <a:cxnSpLocks/>
+              <a:stCxn id="217" idx="0"/>
+              <a:endCxn id="244" idx="2"/>
+            </p:cNvCxnSpPr>
+            <p:nvPr/>
+          </p:nvCxnSpPr>
+          <p:spPr>
+            <a:xfrm rot="16200000" flipV="1">
+              <a:off x="4721760" y="1515940"/>
+              <a:ext cx="237644" cy="951"/>
+            </a:xfrm>
+            <a:prstGeom prst="bentConnector3">
+              <a:avLst>
+                <a:gd name="adj1" fmla="val 50000"/>
+              </a:avLst>
+            </a:prstGeom>
+            <a:ln>
+              <a:tailEnd type="triangle"/>
+            </a:ln>
+          </p:spPr>
+          <p:style>
+            <a:lnRef idx="1">
+              <a:schemeClr val="accent1"/>
+            </a:lnRef>
+            <a:fillRef idx="0">
+              <a:schemeClr val="accent1"/>
+            </a:fillRef>
+            <a:effectRef idx="0">
+              <a:schemeClr val="accent1"/>
+            </a:effectRef>
+            <a:fontRef idx="minor">
+              <a:schemeClr val="tx1"/>
+            </a:fontRef>
+          </p:style>
+        </p:cxnSp>
+        <p:sp>
+          <p:nvSpPr>
+            <p:cNvPr id="278" name="Rectangle 277">
+              <a:extLst>
+                <a:ext uri="{FF2B5EF4-FFF2-40B4-BE49-F238E27FC236}">
+                  <a16:creationId xmlns:a16="http://schemas.microsoft.com/office/drawing/2014/main" id="{0C432673-F95A-4D94-9E24-77E445005F3D}"/>
+                </a:ext>
+              </a:extLst>
+            </p:cNvPr>
+            <p:cNvSpPr/>
+            <p:nvPr/>
+          </p:nvSpPr>
+          <p:spPr>
+            <a:xfrm>
+              <a:off x="969108" y="3962647"/>
+              <a:ext cx="1943399" cy="1258092"/>
+            </a:xfrm>
+            <a:prstGeom prst="rect">
+              <a:avLst/>
+            </a:prstGeom>
+            <a:ln w="3175"/>
+          </p:spPr>
+          <p:style>
+            <a:lnRef idx="2">
+              <a:schemeClr val="dk1"/>
+            </a:lnRef>
+            <a:fillRef idx="1">
+              <a:schemeClr val="lt1"/>
+            </a:fillRef>
+            <a:effectRef idx="0">
+              <a:schemeClr val="dk1"/>
+            </a:effectRef>
+            <a:fontRef idx="minor">
+              <a:schemeClr val="dk1"/>
+            </a:fontRef>
+          </p:style>
+          <p:txBody>
+            <a:bodyPr rtlCol="0" anchor="ctr"/>
+            <a:lstStyle/>
+            <a:p>
+              <a:pPr algn="ctr"/>
+              <a:r>
+                <a:rPr lang="en-US" sz="1200" dirty="0"/>
+                <a:t>Embedding Layer</a:t>
+              </a:r>
+            </a:p>
+          </p:txBody>
+        </p:sp>
+        <p:sp>
+          <p:nvSpPr>
+            <p:cNvPr id="279" name="Rectangle 278">
+              <a:extLst>
+                <a:ext uri="{FF2B5EF4-FFF2-40B4-BE49-F238E27FC236}">
+                  <a16:creationId xmlns:a16="http://schemas.microsoft.com/office/drawing/2014/main" id="{793B5639-9871-4CF9-B776-FCD4F95FEE5C}"/>
+                </a:ext>
+              </a:extLst>
+            </p:cNvPr>
+            <p:cNvSpPr/>
+            <p:nvPr/>
+          </p:nvSpPr>
+          <p:spPr>
+            <a:xfrm>
+              <a:off x="969107" y="3360615"/>
+              <a:ext cx="1943399" cy="600770"/>
+            </a:xfrm>
+            <a:prstGeom prst="rect">
+              <a:avLst/>
+            </a:prstGeom>
+            <a:ln w="3175"/>
+          </p:spPr>
+          <p:style>
+            <a:lnRef idx="2">
+              <a:schemeClr val="dk1"/>
+            </a:lnRef>
+            <a:fillRef idx="1">
+              <a:schemeClr val="lt1"/>
+            </a:fillRef>
+            <a:effectRef idx="0">
+              <a:schemeClr val="dk1"/>
+            </a:effectRef>
+            <a:fontRef idx="minor">
+              <a:schemeClr val="dk1"/>
+            </a:fontRef>
+          </p:style>
+          <p:txBody>
+            <a:bodyPr rtlCol="0" anchor="ctr"/>
+            <a:lstStyle/>
+            <a:p>
+              <a:pPr algn="ctr"/>
+              <a:r>
+                <a:rPr lang="en-US" sz="1200" dirty="0"/>
+                <a:t>Embedding Attention Layer</a:t>
+              </a:r>
+            </a:p>
+          </p:txBody>
+        </p:sp>
+        <p:sp>
+          <p:nvSpPr>
+            <p:cNvPr id="280" name="Rectangle 279">
+              <a:extLst>
+                <a:ext uri="{FF2B5EF4-FFF2-40B4-BE49-F238E27FC236}">
+                  <a16:creationId xmlns:a16="http://schemas.microsoft.com/office/drawing/2014/main" id="{0AE21CA5-3BE3-4BAE-98C5-29FD17AF1931}"/>
+                </a:ext>
+              </a:extLst>
+            </p:cNvPr>
+            <p:cNvSpPr/>
+            <p:nvPr/>
+          </p:nvSpPr>
+          <p:spPr>
+            <a:xfrm>
+              <a:off x="969106" y="2289908"/>
+              <a:ext cx="1943399" cy="1070707"/>
+            </a:xfrm>
+            <a:prstGeom prst="rect">
+              <a:avLst/>
+            </a:prstGeom>
+            <a:ln w="3175"/>
+          </p:spPr>
+          <p:style>
+            <a:lnRef idx="2">
+              <a:schemeClr val="dk1"/>
+            </a:lnRef>
+            <a:fillRef idx="1">
+              <a:schemeClr val="lt1"/>
+            </a:fillRef>
+            <a:effectRef idx="0">
+              <a:schemeClr val="dk1"/>
+            </a:effectRef>
+            <a:fontRef idx="minor">
+              <a:schemeClr val="dk1"/>
+            </a:fontRef>
+          </p:style>
+          <p:txBody>
+            <a:bodyPr rtlCol="0" anchor="ctr"/>
+            <a:lstStyle/>
+            <a:p>
+              <a:pPr algn="ctr"/>
+              <a:r>
+                <a:rPr lang="en-US" sz="1200" dirty="0"/>
+                <a:t>Embedding Encoder Layer</a:t>
+              </a:r>
+            </a:p>
+          </p:txBody>
+        </p:sp>
+        <p:sp>
+          <p:nvSpPr>
+            <p:cNvPr id="281" name="Rectangle 280">
+              <a:extLst>
+                <a:ext uri="{FF2B5EF4-FFF2-40B4-BE49-F238E27FC236}">
+                  <a16:creationId xmlns:a16="http://schemas.microsoft.com/office/drawing/2014/main" id="{3365B290-2C23-4050-B487-1B60C73C2420}"/>
+                </a:ext>
+              </a:extLst>
+            </p:cNvPr>
+            <p:cNvSpPr/>
+            <p:nvPr/>
+          </p:nvSpPr>
+          <p:spPr>
+            <a:xfrm>
+              <a:off x="969106" y="1501753"/>
+              <a:ext cx="1943399" cy="786893"/>
+            </a:xfrm>
+            <a:prstGeom prst="rect">
+              <a:avLst/>
+            </a:prstGeom>
+            <a:ln w="3175"/>
+          </p:spPr>
+          <p:style>
+            <a:lnRef idx="2">
+              <a:schemeClr val="dk1"/>
+            </a:lnRef>
+            <a:fillRef idx="1">
+              <a:schemeClr val="lt1"/>
+            </a:fillRef>
+            <a:effectRef idx="0">
+              <a:schemeClr val="dk1"/>
+            </a:effectRef>
+            <a:fontRef idx="minor">
+              <a:schemeClr val="dk1"/>
+            </a:fontRef>
+          </p:style>
+          <p:txBody>
+            <a:bodyPr rtlCol="0" anchor="ctr"/>
+            <a:lstStyle/>
+            <a:p>
+              <a:pPr algn="ctr"/>
+              <a:r>
+                <a:rPr lang="en-US" sz="1200" dirty="0"/>
+                <a:t>Attention Flow Layer</a:t>
+              </a:r>
+            </a:p>
+          </p:txBody>
+        </p:sp>
+        <p:sp>
+          <p:nvSpPr>
+            <p:cNvPr id="282" name="Rectangle 281">
+              <a:extLst>
+                <a:ext uri="{FF2B5EF4-FFF2-40B4-BE49-F238E27FC236}">
+                  <a16:creationId xmlns:a16="http://schemas.microsoft.com/office/drawing/2014/main" id="{3B7B95CA-8175-4825-AECB-9C576BF37C92}"/>
+                </a:ext>
+              </a:extLst>
+            </p:cNvPr>
+            <p:cNvSpPr/>
+            <p:nvPr/>
+          </p:nvSpPr>
+          <p:spPr>
+            <a:xfrm>
+              <a:off x="969105" y="899719"/>
+              <a:ext cx="1943399" cy="600771"/>
+            </a:xfrm>
+            <a:prstGeom prst="rect">
+              <a:avLst/>
+            </a:prstGeom>
+            <a:ln w="3175"/>
+          </p:spPr>
+          <p:style>
+            <a:lnRef idx="2">
+              <a:schemeClr val="dk1"/>
+            </a:lnRef>
+            <a:fillRef idx="1">
+              <a:schemeClr val="lt1"/>
+            </a:fillRef>
+            <a:effectRef idx="0">
+              <a:schemeClr val="dk1"/>
+            </a:effectRef>
+            <a:fontRef idx="minor">
+              <a:schemeClr val="dk1"/>
+            </a:fontRef>
+          </p:style>
+          <p:txBody>
+            <a:bodyPr rtlCol="0" anchor="ctr"/>
+            <a:lstStyle/>
+            <a:p>
+              <a:pPr algn="ctr"/>
+              <a:r>
+                <a:rPr lang="en-US" sz="1200" dirty="0"/>
+                <a:t>Model Encoder Layer</a:t>
+              </a:r>
+            </a:p>
+          </p:txBody>
+        </p:sp>
+        <p:sp>
+          <p:nvSpPr>
+            <p:cNvPr id="283" name="Rectangle 282">
+              <a:extLst>
+                <a:ext uri="{FF2B5EF4-FFF2-40B4-BE49-F238E27FC236}">
+                  <a16:creationId xmlns:a16="http://schemas.microsoft.com/office/drawing/2014/main" id="{B982A542-8601-49CA-AA80-021EAAD805C6}"/>
+                </a:ext>
+              </a:extLst>
+            </p:cNvPr>
+            <p:cNvSpPr/>
+            <p:nvPr/>
+          </p:nvSpPr>
+          <p:spPr>
+            <a:xfrm>
+              <a:off x="969104" y="359508"/>
+              <a:ext cx="1943399" cy="540212"/>
+            </a:xfrm>
+            <a:prstGeom prst="rect">
+              <a:avLst/>
+            </a:prstGeom>
+            <a:ln w="3175"/>
+          </p:spPr>
+          <p:style>
+            <a:lnRef idx="2">
+              <a:schemeClr val="dk1"/>
+            </a:lnRef>
+            <a:fillRef idx="1">
+              <a:schemeClr val="lt1"/>
+            </a:fillRef>
+            <a:effectRef idx="0">
+              <a:schemeClr val="dk1"/>
+            </a:effectRef>
+            <a:fontRef idx="minor">
+              <a:schemeClr val="dk1"/>
+            </a:fontRef>
+          </p:style>
+          <p:txBody>
+            <a:bodyPr rtlCol="0" anchor="ctr"/>
+            <a:lstStyle/>
+            <a:p>
+              <a:pPr algn="ctr"/>
+              <a:r>
+                <a:rPr lang="en-US" sz="1200" dirty="0"/>
+                <a:t>Output Layer</a:t>
+              </a:r>
+            </a:p>
+          </p:txBody>
+        </p:sp>
+        <p:sp>
+          <p:nvSpPr>
+            <p:cNvPr id="284" name="TextBox 283">
+              <a:extLst>
+                <a:ext uri="{FF2B5EF4-FFF2-40B4-BE49-F238E27FC236}">
+                  <a16:creationId xmlns:a16="http://schemas.microsoft.com/office/drawing/2014/main" id="{588C4AAA-68D2-423F-A5FC-38E2D3E2F7AD}"/>
+                </a:ext>
+              </a:extLst>
+            </p:cNvPr>
+            <p:cNvSpPr txBox="1"/>
+            <p:nvPr/>
+          </p:nvSpPr>
+          <p:spPr>
+            <a:xfrm>
+              <a:off x="3879902" y="479556"/>
+              <a:ext cx="532204" cy="307777"/>
+            </a:xfrm>
+            <a:prstGeom prst="rect">
+              <a:avLst/>
+            </a:prstGeom>
+            <a:noFill/>
+            <a:ln>
+              <a:solidFill>
+                <a:schemeClr val="accent1"/>
+              </a:solidFill>
+            </a:ln>
+          </p:spPr>
+          <p:txBody>
+            <a:bodyPr wrap="square" rtlCol="0">
+              <a:spAutoFit/>
+            </a:bodyPr>
+            <a:lstStyle/>
+            <a:p>
+              <a:r>
+                <a:rPr lang="en-US" sz="1400" b="1" dirty="0"/>
+                <a:t>p</a:t>
+              </a:r>
+              <a:r>
+                <a:rPr lang="en-US" sz="1400" b="1" baseline="-25000" dirty="0"/>
+                <a:t>start</a:t>
+              </a:r>
+            </a:p>
+          </p:txBody>
+        </p:sp>
+        <p:sp>
+          <p:nvSpPr>
+            <p:cNvPr id="285" name="TextBox 284">
+              <a:extLst>
+                <a:ext uri="{FF2B5EF4-FFF2-40B4-BE49-F238E27FC236}">
+                  <a16:creationId xmlns:a16="http://schemas.microsoft.com/office/drawing/2014/main" id="{87F6C02D-CF7B-474C-91C6-FD38B4878783}"/>
+                </a:ext>
+              </a:extLst>
+            </p:cNvPr>
+            <p:cNvSpPr txBox="1"/>
+            <p:nvPr/>
+          </p:nvSpPr>
+          <p:spPr>
+            <a:xfrm>
+              <a:off x="5251375" y="480554"/>
+              <a:ext cx="532204" cy="307777"/>
+            </a:xfrm>
+            <a:prstGeom prst="rect">
+              <a:avLst/>
+            </a:prstGeom>
+            <a:noFill/>
+            <a:ln>
+              <a:solidFill>
+                <a:schemeClr val="accent1"/>
+              </a:solidFill>
+            </a:ln>
+          </p:spPr>
+          <p:txBody>
+            <a:bodyPr wrap="square" rtlCol="0">
+              <a:spAutoFit/>
+            </a:bodyPr>
+            <a:lstStyle/>
+            <a:p>
+              <a:r>
+                <a:rPr lang="en-US" sz="1400" b="1" dirty="0"/>
+                <a:t>p</a:t>
+              </a:r>
+              <a:r>
+                <a:rPr lang="en-US" sz="1400" b="1" baseline="-25000" dirty="0"/>
+                <a:t>end</a:t>
+              </a:r>
+            </a:p>
+          </p:txBody>
+        </p:sp>
+        <p:cxnSp>
+          <p:nvCxnSpPr>
+            <p:cNvPr id="286" name="Connector: Elbow 285">
+              <a:extLst>
+                <a:ext uri="{FF2B5EF4-FFF2-40B4-BE49-F238E27FC236}">
+                  <a16:creationId xmlns:a16="http://schemas.microsoft.com/office/drawing/2014/main" id="{BF6A9E8A-783D-470A-B3CE-D572CA6A1E2E}"/>
+                </a:ext>
+              </a:extLst>
+            </p:cNvPr>
+            <p:cNvCxnSpPr>
+              <a:cxnSpLocks/>
+              <a:stCxn id="244" idx="1"/>
+              <a:endCxn id="284" idx="2"/>
+            </p:cNvCxnSpPr>
+            <p:nvPr/>
+          </p:nvCxnSpPr>
+          <p:spPr>
+            <a:xfrm rot="10800000">
+              <a:off x="4146004" y="787334"/>
+              <a:ext cx="267454" cy="388751"/>
+            </a:xfrm>
+            <a:prstGeom prst="bentConnector2">
+              <a:avLst/>
+            </a:prstGeom>
+            <a:ln>
+              <a:tailEnd type="triangle"/>
+            </a:ln>
+          </p:spPr>
+          <p:style>
+            <a:lnRef idx="1">
+              <a:schemeClr val="accent1"/>
+            </a:lnRef>
+            <a:fillRef idx="0">
+              <a:schemeClr val="accent1"/>
+            </a:fillRef>
+            <a:effectRef idx="0">
+              <a:schemeClr val="accent1"/>
+            </a:effectRef>
+            <a:fontRef idx="minor">
+              <a:schemeClr val="tx1"/>
+            </a:fontRef>
+          </p:style>
+        </p:cxnSp>
+        <p:cxnSp>
+          <p:nvCxnSpPr>
+            <p:cNvPr id="290" name="Connector: Elbow 289">
+              <a:extLst>
+                <a:ext uri="{FF2B5EF4-FFF2-40B4-BE49-F238E27FC236}">
+                  <a16:creationId xmlns:a16="http://schemas.microsoft.com/office/drawing/2014/main" id="{E5DABDA7-BCA2-4C18-B120-57C7BC1748E2}"/>
+                </a:ext>
+              </a:extLst>
+            </p:cNvPr>
+            <p:cNvCxnSpPr>
+              <a:cxnSpLocks/>
+              <a:stCxn id="244" idx="3"/>
+              <a:endCxn id="285" idx="2"/>
+            </p:cNvCxnSpPr>
+            <p:nvPr/>
+          </p:nvCxnSpPr>
+          <p:spPr>
+            <a:xfrm flipV="1">
+              <a:off x="5266754" y="788331"/>
+              <a:ext cx="250723" cy="387753"/>
+            </a:xfrm>
+            <a:prstGeom prst="bentConnector2">
+              <a:avLst/>
+            </a:prstGeom>
+            <a:ln>
+              <a:tailEnd type="triangle"/>
+            </a:ln>
+          </p:spPr>
+          <p:style>
+            <a:lnRef idx="1">
+              <a:schemeClr val="accent1"/>
+            </a:lnRef>
+            <a:fillRef idx="0">
+              <a:schemeClr val="accent1"/>
+            </a:fillRef>
+            <a:effectRef idx="0">
+              <a:schemeClr val="accent1"/>
+            </a:effectRef>
+            <a:fontRef idx="minor">
+              <a:schemeClr val="tx1"/>
+            </a:fontRef>
+          </p:style>
+        </p:cxnSp>
+        <p:sp>
+          <p:nvSpPr>
+            <p:cNvPr id="308" name="Rectangle 307">
+              <a:extLst>
+                <a:ext uri="{FF2B5EF4-FFF2-40B4-BE49-F238E27FC236}">
+                  <a16:creationId xmlns:a16="http://schemas.microsoft.com/office/drawing/2014/main" id="{7B6F6245-2EF3-4CCF-AD3C-13AD4CC0975A}"/>
+                </a:ext>
+              </a:extLst>
+            </p:cNvPr>
+            <p:cNvSpPr/>
+            <p:nvPr/>
+          </p:nvSpPr>
+          <p:spPr>
+            <a:xfrm>
+              <a:off x="4175731" y="5479056"/>
+              <a:ext cx="1524376" cy="710400"/>
+            </a:xfrm>
+            <a:prstGeom prst="rect">
+              <a:avLst/>
+            </a:prstGeom>
+            <a:ln>
+              <a:noFill/>
+            </a:ln>
+          </p:spPr>
+          <p:style>
+            <a:lnRef idx="2">
+              <a:schemeClr val="accent1">
+                <a:shade val="50000"/>
+              </a:schemeClr>
+            </a:lnRef>
+            <a:fillRef idx="1">
+              <a:schemeClr val="accent1"/>
+            </a:fillRef>
+            <a:effectRef idx="0">
+              <a:schemeClr val="accent1"/>
+            </a:effectRef>
+            <a:fontRef idx="minor">
+              <a:schemeClr val="lt1"/>
+            </a:fontRef>
+          </p:style>
+          <p:txBody>
+            <a:bodyPr rtlCol="0" anchor="ctr"/>
+            <a:lstStyle/>
+            <a:p>
+              <a:pPr algn="ctr"/>
+              <a:r>
+                <a:rPr lang="en-US" dirty="0"/>
+                <a:t>Context Paragraph</a:t>
+              </a:r>
+            </a:p>
+          </p:txBody>
+        </p:sp>
+        <p:sp>
+          <p:nvSpPr>
+            <p:cNvPr id="312" name="Rectangle 311">
+              <a:extLst>
+                <a:ext uri="{FF2B5EF4-FFF2-40B4-BE49-F238E27FC236}">
+                  <a16:creationId xmlns:a16="http://schemas.microsoft.com/office/drawing/2014/main" id="{C6300405-62C2-4F37-91DE-CF8A0FFF8C80}"/>
+                </a:ext>
+              </a:extLst>
+            </p:cNvPr>
+            <p:cNvSpPr/>
+            <p:nvPr/>
+          </p:nvSpPr>
+          <p:spPr>
+            <a:xfrm>
+              <a:off x="2912502" y="359508"/>
+              <a:ext cx="6458143" cy="4863254"/>
+            </a:xfrm>
+            <a:prstGeom prst="rect">
+              <a:avLst/>
+            </a:prstGeom>
+            <a:noFill/>
+            <a:ln w="3175"/>
+          </p:spPr>
+          <p:style>
+            <a:lnRef idx="2">
+              <a:schemeClr val="accent1">
+                <a:shade val="50000"/>
+              </a:schemeClr>
+            </a:lnRef>
+            <a:fillRef idx="1">
+              <a:schemeClr val="accent1"/>
+            </a:fillRef>
+            <a:effectRef idx="0">
+              <a:schemeClr val="accent1"/>
+            </a:effectRef>
+            <a:fontRef idx="minor">
+              <a:schemeClr val="lt1"/>
+            </a:fontRef>
+          </p:style>
+          <p:txBody>
+            <a:bodyPr rtlCol="0" anchor="ctr"/>
+            <a:lstStyle/>
+            <a:p>
+              <a:pPr algn="ctr"/>
+              <a:endParaRPr lang="en-US"/>
+            </a:p>
+          </p:txBody>
+        </p:sp>
+        <p:sp>
+          <p:nvSpPr>
+            <p:cNvPr id="381" name="Rectangle 380">
+              <a:extLst>
+                <a:ext uri="{FF2B5EF4-FFF2-40B4-BE49-F238E27FC236}">
+                  <a16:creationId xmlns:a16="http://schemas.microsoft.com/office/drawing/2014/main" id="{41701237-8E34-4850-B25F-BBFD474DE277}"/>
+                </a:ext>
+              </a:extLst>
+            </p:cNvPr>
+            <p:cNvSpPr/>
+            <p:nvPr/>
+          </p:nvSpPr>
+          <p:spPr>
+            <a:xfrm>
+              <a:off x="7077621" y="5468901"/>
+              <a:ext cx="1524376" cy="710400"/>
+            </a:xfrm>
+            <a:prstGeom prst="rect">
+              <a:avLst/>
+            </a:prstGeom>
+            <a:solidFill>
+              <a:schemeClr val="accent6"/>
+            </a:solidFill>
+            <a:ln>
+              <a:noFill/>
+            </a:ln>
+          </p:spPr>
+          <p:style>
+            <a:lnRef idx="2">
+              <a:schemeClr val="accent1">
+                <a:shade val="50000"/>
+              </a:schemeClr>
+            </a:lnRef>
+            <a:fillRef idx="1">
+              <a:schemeClr val="accent1"/>
+            </a:fillRef>
+            <a:effectRef idx="0">
+              <a:schemeClr val="accent1"/>
+            </a:effectRef>
+            <a:fontRef idx="minor">
+              <a:schemeClr val="lt1"/>
+            </a:fontRef>
+          </p:style>
+          <p:txBody>
+            <a:bodyPr rtlCol="0" anchor="ctr"/>
+            <a:lstStyle/>
+            <a:p>
+              <a:pPr algn="ctr"/>
+              <a:r>
+                <a:rPr lang="en-US" dirty="0"/>
+                <a:t>Question</a:t>
+              </a:r>
+            </a:p>
+          </p:txBody>
+        </p:sp>
+      </p:grpSp>
+    </p:spTree>
+    <p:extLst>
+      <p:ext uri="{BB962C8B-B14F-4D97-AF65-F5344CB8AC3E}">
+        <p14:creationId xmlns:p14="http://schemas.microsoft.com/office/powerpoint/2010/main" val="1690935884"/>
+      </p:ext>
+    </p:extLst>
+  </p:cSld>
+  <p:clrMapOvr>
+    <a:masterClrMapping/>
+  </p:clrMapOvr>
+</p:sld>
+</file>
+
+<file path=ppt/slides/slide4.xml><?xml version="1.0" encoding="utf-8"?>
+<p:sld xmlns:a="http://schemas.openxmlformats.org/drawingml/2006/main" xmlns:r="http://schemas.openxmlformats.org/officeDocument/2006/relationships" xmlns:p="http://schemas.openxmlformats.org/presentationml/2006/main">
+  <p:cSld>
+    <p:spTree>
+      <p:nvGrpSpPr>
+        <p:cNvPr id="1" name=""/>
+        <p:cNvGrpSpPr/>
+        <p:nvPr/>
+      </p:nvGrpSpPr>
+      <p:grpSpPr>
+        <a:xfrm>
+          <a:off x="0" y="0"/>
+          <a:ext cx="0" cy="0"/>
+          <a:chOff x="0" y="0"/>
+          <a:chExt cx="0" cy="0"/>
+        </a:xfrm>
+      </p:grpSpPr>
+    </p:spTree>
+    <p:extLst>
+      <p:ext uri="{BB962C8B-B14F-4D97-AF65-F5344CB8AC3E}">
+        <p14:creationId xmlns:p14="http://schemas.microsoft.com/office/powerpoint/2010/main" val="659328893"/>
+      </p:ext>
+    </p:extLst>
+  </p:cSld>
+  <p:clrMapOvr>
+    <a:masterClrMapping/>
+  </p:clrMapOvr>
+</p:sld>
+</file>
+
 <file path=ppt/theme/theme1.xml><?xml version="1.0" encoding="utf-8"?>
 <a:theme xmlns:a="http://schemas.openxmlformats.org/drawingml/2006/main" name="Office Theme">
   <a:themeElements>
